--- a/results/images/categories_attendance.pptx
+++ b/results/images/categories_attendance.pptx
@@ -130,12 +130,23 @@
     <c:plotArea>
       <c:layout/>
       <c:barChart>
-        <c:barDir val="bar"/>
+        <c:barDir val="col"/>
         <c:grouping val="clustered"/>
         <c:varyColors val="0"/>
         <c:ser>
           <c:idx val="0"/>
           <c:order val="0"/>
+          <c:tx>
+            <c:strRef>
+              <c:f>'Meet the categories'!$B$4</c:f>
+              <c:strCache>
+                <c:ptCount val="1"/>
+                <c:pt idx="0">
+                  <c:v># Repositories</c:v>
+                </c:pt>
+              </c:strCache>
+            </c:strRef>
+          </c:tx>
           <c:spPr>
             <a:solidFill>
               <a:srgbClr val="FF5050"/>
@@ -146,68 +157,36 @@
             <a:effectLst/>
           </c:spPr>
           <c:invertIfNegative val="0"/>
-          <c:cat>
-            <c:strRef>
-              <c:f>'Average per Category (%)'!$B$3:$H$3</c:f>
-              <c:strCache>
-                <c:ptCount val="7"/>
-                <c:pt idx="0">
-                  <c:v>CT – Choose a task</c:v>
+          <c:val>
+            <c:numRef>
+              <c:f>'Meet the categories'!$C$4:$H$4</c:f>
+              <c:numCache>
+                <c:formatCode>0</c:formatCode>
+                <c:ptCount val="6"/>
+                <c:pt idx="0" formatCode="General">
+                  <c:v>78</c:v>
                 </c:pt>
                 <c:pt idx="1">
-                  <c:v>TC – Talk to the community</c:v>
+                  <c:v>130</c:v>
                 </c:pt>
                 <c:pt idx="2">
-                  <c:v>BW – Build local workspace</c:v>
+                  <c:v>135</c:v>
                 </c:pt>
-                <c:pt idx="3">
-                  <c:v>CF – Contribution flow</c:v>
+                <c:pt idx="3" formatCode="General">
+                  <c:v>107</c:v>
                 </c:pt>
                 <c:pt idx="4">
-                  <c:v>DC – Deal with the code</c:v>
+                  <c:v>38</c:v>
                 </c:pt>
-                <c:pt idx="5">
-                  <c:v>SC – Submit the changes</c:v>
-                </c:pt>
-                <c:pt idx="6">
-                  <c:v>No categories identified.</c:v>
-                </c:pt>
-              </c:strCache>
-            </c:strRef>
-          </c:cat>
-          <c:val>
-            <c:numRef>
-              <c:f>'Average per Category (%)'!$B$4:$H$4</c:f>
-              <c:numCache>
-                <c:formatCode>0</c:formatCode>
-                <c:ptCount val="7"/>
-                <c:pt idx="0">
-                  <c:v>0.83799999999999997</c:v>
-                </c:pt>
-                <c:pt idx="1">
-                  <c:v>1.304</c:v>
-                </c:pt>
-                <c:pt idx="2">
-                  <c:v>2.8879999999999999</c:v>
-                </c:pt>
-                <c:pt idx="3">
-                  <c:v>4.1760000000000002</c:v>
-                </c:pt>
-                <c:pt idx="4">
-                  <c:v>4.99</c:v>
-                </c:pt>
-                <c:pt idx="5">
-                  <c:v>12.348000000000001</c:v>
-                </c:pt>
-                <c:pt idx="6">
-                  <c:v>14.922000000000001</c:v>
+                <c:pt idx="5" formatCode="General">
+                  <c:v>12</c:v>
                 </c:pt>
               </c:numCache>
             </c:numRef>
           </c:val>
           <c:extLst>
             <c:ext xmlns:c16="http://schemas.microsoft.com/office/drawing/2014/chart" uri="{C3380CC4-5D6E-409C-BE32-E72D297353CC}">
-              <c16:uniqueId val="{00000000-1C23-4785-8866-A88254A479A8}"/>
+              <c16:uniqueId val="{00000000-7710-44D8-9AF8-94AA77F40688}"/>
             </c:ext>
           </c:extLst>
         </c:ser>
@@ -219,18 +198,95 @@
           <c:showPercent val="0"/>
           <c:showBubbleSize val="0"/>
         </c:dLbls>
-        <c:gapWidth val="182"/>
-        <c:axId val="1682822896"/>
-        <c:axId val="930698480"/>
+        <c:gapWidth val="219"/>
+        <c:overlap val="-27"/>
+        <c:axId val="1769513375"/>
+        <c:axId val="1339442863"/>
       </c:barChart>
+      <c:lineChart>
+        <c:grouping val="standard"/>
+        <c:varyColors val="0"/>
+        <c:ser>
+          <c:idx val="1"/>
+          <c:order val="1"/>
+          <c:tx>
+            <c:strRef>
+              <c:f>'Meet the categories'!$B$5</c:f>
+              <c:strCache>
+                <c:ptCount val="1"/>
+                <c:pt idx="0">
+                  <c:v>Average</c:v>
+                </c:pt>
+              </c:strCache>
+            </c:strRef>
+          </c:tx>
+          <c:spPr>
+            <a:ln w="28575" cap="rnd">
+              <a:solidFill>
+                <a:schemeClr val="tx1"/>
+              </a:solidFill>
+              <a:prstDash val="dash"/>
+              <a:round/>
+            </a:ln>
+            <a:effectLst/>
+          </c:spPr>
+          <c:marker>
+            <c:symbol val="none"/>
+          </c:marker>
+          <c:val>
+            <c:numRef>
+              <c:f>'Meet the categories'!$C$5:$H$5</c:f>
+              <c:numCache>
+                <c:formatCode>General</c:formatCode>
+                <c:ptCount val="6"/>
+                <c:pt idx="0">
+                  <c:v>83.333333333333329</c:v>
+                </c:pt>
+                <c:pt idx="1">
+                  <c:v>83.333333333333329</c:v>
+                </c:pt>
+                <c:pt idx="2">
+                  <c:v>83.333333333333329</c:v>
+                </c:pt>
+                <c:pt idx="3">
+                  <c:v>83.333333333333329</c:v>
+                </c:pt>
+                <c:pt idx="4">
+                  <c:v>83.333333333333329</c:v>
+                </c:pt>
+                <c:pt idx="5">
+                  <c:v>83.333333333333329</c:v>
+                </c:pt>
+              </c:numCache>
+            </c:numRef>
+          </c:val>
+          <c:smooth val="0"/>
+          <c:extLst>
+            <c:ext xmlns:c16="http://schemas.microsoft.com/office/drawing/2014/chart" uri="{C3380CC4-5D6E-409C-BE32-E72D297353CC}">
+              <c16:uniqueId val="{00000001-7710-44D8-9AF8-94AA77F40688}"/>
+            </c:ext>
+          </c:extLst>
+        </c:ser>
+        <c:dLbls>
+          <c:showLegendKey val="0"/>
+          <c:showVal val="0"/>
+          <c:showCatName val="0"/>
+          <c:showSerName val="0"/>
+          <c:showPercent val="0"/>
+          <c:showBubbleSize val="0"/>
+        </c:dLbls>
+        <c:marker val="1"/>
+        <c:smooth val="0"/>
+        <c:axId val="1769513375"/>
+        <c:axId val="1339442863"/>
+      </c:lineChart>
       <c:catAx>
-        <c:axId val="1682822896"/>
+        <c:axId val="1769513375"/>
         <c:scaling>
           <c:orientation val="minMax"/>
         </c:scaling>
         <c:delete val="0"/>
-        <c:axPos val="l"/>
-        <c:numFmt formatCode="General" sourceLinked="1"/>
+        <c:axPos val="b"/>
         <c:majorTickMark val="none"/>
         <c:minorTickMark val="none"/>
         <c:tickLblPos val="nextTo"/>
@@ -264,7 +320,7 @@
             <a:endParaRPr lang="en-US"/>
           </a:p>
         </c:txPr>
-        <c:crossAx val="930698480"/>
+        <c:crossAx val="1339442863"/>
         <c:crosses val="autoZero"/>
         <c:auto val="1"/>
         <c:lblAlgn val="ctr"/>
@@ -272,12 +328,12 @@
         <c:noMultiLvlLbl val="0"/>
       </c:catAx>
       <c:valAx>
-        <c:axId val="930698480"/>
+        <c:axId val="1339442863"/>
         <c:scaling>
           <c:orientation val="minMax"/>
         </c:scaling>
         <c:delete val="0"/>
-        <c:axPos val="b"/>
+        <c:axPos val="l"/>
         <c:majorGridlines>
           <c:spPr>
             <a:ln w="9525" cap="flat" cmpd="sng" algn="ctr">
@@ -292,61 +348,7 @@
             <a:effectLst/>
           </c:spPr>
         </c:majorGridlines>
-        <c:title>
-          <c:tx>
-            <c:rich>
-              <a:bodyPr rot="0" spcFirstLastPara="1" vertOverflow="ellipsis" vert="horz" wrap="square" anchor="ctr" anchorCtr="1"/>
-              <a:lstStyle/>
-              <a:p>
-                <a:pPr>
-                  <a:defRPr sz="2500" b="0" i="0" u="none" strike="noStrike" kern="1200" baseline="0">
-                    <a:solidFill>
-                      <a:schemeClr val="tx1"/>
-                    </a:solidFill>
-                    <a:latin typeface="+mn-lt"/>
-                    <a:ea typeface="+mn-ea"/>
-                    <a:cs typeface="+mn-cs"/>
-                  </a:defRPr>
-                </a:pPr>
-                <a:r>
-                  <a:rPr lang="en-US"/>
-                  <a:t>#</a:t>
-                </a:r>
-                <a:r>
-                  <a:rPr lang="en-US" baseline="0"/>
-                  <a:t> Lines (Average)</a:t>
-                </a:r>
-                <a:endParaRPr lang="en-US"/>
-              </a:p>
-            </c:rich>
-          </c:tx>
-          <c:overlay val="0"/>
-          <c:spPr>
-            <a:noFill/>
-            <a:ln>
-              <a:noFill/>
-            </a:ln>
-            <a:effectLst/>
-          </c:spPr>
-          <c:txPr>
-            <a:bodyPr rot="0" spcFirstLastPara="1" vertOverflow="ellipsis" vert="horz" wrap="square" anchor="ctr" anchorCtr="1"/>
-            <a:lstStyle/>
-            <a:p>
-              <a:pPr>
-                <a:defRPr sz="2500" b="0" i="0" u="none" strike="noStrike" kern="1200" baseline="0">
-                  <a:solidFill>
-                    <a:schemeClr val="tx1"/>
-                  </a:solidFill>
-                  <a:latin typeface="+mn-lt"/>
-                  <a:ea typeface="+mn-ea"/>
-                  <a:cs typeface="+mn-cs"/>
-                </a:defRPr>
-              </a:pPr>
-              <a:endParaRPr lang="en-US"/>
-            </a:p>
-          </c:txPr>
-        </c:title>
-        <c:numFmt formatCode="0" sourceLinked="1"/>
+        <c:numFmt formatCode="General" sourceLinked="1"/>
         <c:majorTickMark val="none"/>
         <c:minorTickMark val="none"/>
         <c:tickLblPos val="nextTo"/>
@@ -374,7 +376,7 @@
             <a:endParaRPr lang="en-US"/>
           </a:p>
         </c:txPr>
-        <c:crossAx val="1682822896"/>
+        <c:crossAx val="1769513375"/>
         <c:crosses val="autoZero"/>
         <c:crossBetween val="between"/>
       </c:valAx>
@@ -390,8 +392,43 @@
         <a:effectLst/>
       </c:spPr>
     </c:plotArea>
+    <c:legend>
+      <c:legendPos val="b"/>
+      <c:overlay val="0"/>
+      <c:spPr>
+        <a:noFill/>
+        <a:ln>
+          <a:noFill/>
+        </a:ln>
+        <a:effectLst/>
+      </c:spPr>
+      <c:txPr>
+        <a:bodyPr rot="0" spcFirstLastPara="1" vertOverflow="ellipsis" vert="horz" wrap="square" anchor="ctr" anchorCtr="1"/>
+        <a:lstStyle/>
+        <a:p>
+          <a:pPr>
+            <a:defRPr sz="2500" b="0" i="0" u="none" strike="noStrike" kern="1200" baseline="0">
+              <a:solidFill>
+                <a:schemeClr val="tx1"/>
+              </a:solidFill>
+              <a:latin typeface="+mn-lt"/>
+              <a:ea typeface="+mn-ea"/>
+              <a:cs typeface="+mn-cs"/>
+            </a:defRPr>
+          </a:pPr>
+          <a:endParaRPr lang="en-US"/>
+        </a:p>
+      </c:txPr>
+    </c:legend>
     <c:plotVisOnly val="1"/>
     <c:dispBlanksAs val="gap"/>
+    <c:extLst>
+      <c:ext xmlns:c16r3="http://schemas.microsoft.com/office/drawing/2017/03/chart" uri="{56B9EC1D-385E-4148-901F-78D8002777C0}">
+        <c16r3:dataDisplayOptions16>
+          <c16r3:dispNaAsBlank val="1"/>
+        </c16r3:dataDisplayOptions16>
+      </c:ext>
+    </c:extLst>
     <c:showDLblsOverMax val="0"/>
   </c:chart>
   <c:spPr>
@@ -462,7 +499,7 @@
 </file>
 
 <file path=ppt/charts/style1.xml><?xml version="1.0" encoding="utf-8"?>
-<cs:chartStyle xmlns:cs="http://schemas.microsoft.com/office/drawing/2012/chartStyle" xmlns:a="http://schemas.openxmlformats.org/drawingml/2006/main" id="216">
+<cs:chartStyle xmlns:cs="http://schemas.microsoft.com/office/drawing/2012/chartStyle" xmlns:a="http://schemas.openxmlformats.org/drawingml/2006/main" id="201">
   <cs:axisTitle>
     <cs:lnRef idx="0"/>
     <cs:fillRef idx="0"/>
@@ -666,23 +703,22 @@
     <cs:fillRef idx="0"/>
     <cs:effectRef idx="0"/>
     <cs:fontRef idx="minor">
-      <a:schemeClr val="tx1"/>
+      <a:schemeClr val="dk1"/>
     </cs:fontRef>
     <cs:spPr>
       <a:solidFill>
         <a:schemeClr val="dk1">
-          <a:lumMod val="75000"/>
-          <a:lumOff val="25000"/>
+          <a:lumMod val="65000"/>
+          <a:lumOff val="35000"/>
         </a:schemeClr>
       </a:solidFill>
-      <a:ln w="9525" cap="flat" cmpd="sng" algn="ctr">
+      <a:ln w="9525">
         <a:solidFill>
           <a:schemeClr val="tx1">
             <a:lumMod val="65000"/>
             <a:lumOff val="35000"/>
           </a:schemeClr>
         </a:solidFill>
-        <a:round/>
       </a:ln>
     </cs:spPr>
   </cs:downBar>
@@ -787,8 +823,8 @@
       <a:ln w="9525" cap="flat" cmpd="sng" algn="ctr">
         <a:solidFill>
           <a:schemeClr val="tx1">
-            <a:lumMod val="50000"/>
-            <a:lumOff val="50000"/>
+            <a:lumMod val="75000"/>
+            <a:lumOff val="25000"/>
           </a:schemeClr>
         </a:solidFill>
         <a:round/>
@@ -920,20 +956,19 @@
     <cs:fillRef idx="0"/>
     <cs:effectRef idx="0"/>
     <cs:fontRef idx="minor">
-      <a:schemeClr val="tx1"/>
+      <a:schemeClr val="dk1"/>
     </cs:fontRef>
     <cs:spPr>
       <a:solidFill>
         <a:schemeClr val="lt1"/>
       </a:solidFill>
-      <a:ln w="9525" cap="flat" cmpd="sng" algn="ctr">
+      <a:ln w="9525">
         <a:solidFill>
           <a:schemeClr val="tx1">
-            <a:lumMod val="65000"/>
-            <a:lumOff val="35000"/>
+            <a:lumMod val="15000"/>
+            <a:lumOff val="85000"/>
           </a:schemeClr>
         </a:solidFill>
-        <a:round/>
       </a:ln>
     </cs:spPr>
   </cs:upBar>
@@ -1097,7 +1132,7 @@
           <a:p>
             <a:fld id="{857C8E90-7EDD-4CDC-BF79-D3D421C99482}" type="datetimeFigureOut">
               <a:rPr lang="en-US" smtClean="0"/>
-              <a:t>4/20/2021</a:t>
+              <a:t>5/3/2021</a:t>
             </a:fld>
             <a:endParaRPr lang="en-US"/>
           </a:p>
@@ -1267,7 +1302,7 @@
           <a:p>
             <a:fld id="{857C8E90-7EDD-4CDC-BF79-D3D421C99482}" type="datetimeFigureOut">
               <a:rPr lang="en-US" smtClean="0"/>
-              <a:t>4/20/2021</a:t>
+              <a:t>5/3/2021</a:t>
             </a:fld>
             <a:endParaRPr lang="en-US"/>
           </a:p>
@@ -1447,7 +1482,7 @@
           <a:p>
             <a:fld id="{857C8E90-7EDD-4CDC-BF79-D3D421C99482}" type="datetimeFigureOut">
               <a:rPr lang="en-US" smtClean="0"/>
-              <a:t>4/20/2021</a:t>
+              <a:t>5/3/2021</a:t>
             </a:fld>
             <a:endParaRPr lang="en-US"/>
           </a:p>
@@ -1617,7 +1652,7 @@
           <a:p>
             <a:fld id="{857C8E90-7EDD-4CDC-BF79-D3D421C99482}" type="datetimeFigureOut">
               <a:rPr lang="en-US" smtClean="0"/>
-              <a:t>4/20/2021</a:t>
+              <a:t>5/3/2021</a:t>
             </a:fld>
             <a:endParaRPr lang="en-US"/>
           </a:p>
@@ -1861,7 +1896,7 @@
           <a:p>
             <a:fld id="{857C8E90-7EDD-4CDC-BF79-D3D421C99482}" type="datetimeFigureOut">
               <a:rPr lang="en-US" smtClean="0"/>
-              <a:t>4/20/2021</a:t>
+              <a:t>5/3/2021</a:t>
             </a:fld>
             <a:endParaRPr lang="en-US"/>
           </a:p>
@@ -2093,7 +2128,7 @@
           <a:p>
             <a:fld id="{857C8E90-7EDD-4CDC-BF79-D3D421C99482}" type="datetimeFigureOut">
               <a:rPr lang="en-US" smtClean="0"/>
-              <a:t>4/20/2021</a:t>
+              <a:t>5/3/2021</a:t>
             </a:fld>
             <a:endParaRPr lang="en-US"/>
           </a:p>
@@ -2460,7 +2495,7 @@
           <a:p>
             <a:fld id="{857C8E90-7EDD-4CDC-BF79-D3D421C99482}" type="datetimeFigureOut">
               <a:rPr lang="en-US" smtClean="0"/>
-              <a:t>4/20/2021</a:t>
+              <a:t>5/3/2021</a:t>
             </a:fld>
             <a:endParaRPr lang="en-US"/>
           </a:p>
@@ -2578,7 +2613,7 @@
           <a:p>
             <a:fld id="{857C8E90-7EDD-4CDC-BF79-D3D421C99482}" type="datetimeFigureOut">
               <a:rPr lang="en-US" smtClean="0"/>
-              <a:t>4/20/2021</a:t>
+              <a:t>5/3/2021</a:t>
             </a:fld>
             <a:endParaRPr lang="en-US"/>
           </a:p>
@@ -2673,7 +2708,7 @@
           <a:p>
             <a:fld id="{857C8E90-7EDD-4CDC-BF79-D3D421C99482}" type="datetimeFigureOut">
               <a:rPr lang="en-US" smtClean="0"/>
-              <a:t>4/20/2021</a:t>
+              <a:t>5/3/2021</a:t>
             </a:fld>
             <a:endParaRPr lang="en-US"/>
           </a:p>
@@ -2950,7 +2985,7 @@
           <a:p>
             <a:fld id="{857C8E90-7EDD-4CDC-BF79-D3D421C99482}" type="datetimeFigureOut">
               <a:rPr lang="en-US" smtClean="0"/>
-              <a:t>4/20/2021</a:t>
+              <a:t>5/3/2021</a:t>
             </a:fld>
             <a:endParaRPr lang="en-US"/>
           </a:p>
@@ -3207,7 +3242,7 @@
           <a:p>
             <a:fld id="{857C8E90-7EDD-4CDC-BF79-D3D421C99482}" type="datetimeFigureOut">
               <a:rPr lang="en-US" smtClean="0"/>
-              <a:t>4/20/2021</a:t>
+              <a:t>5/3/2021</a:t>
             </a:fld>
             <a:endParaRPr lang="en-US"/>
           </a:p>
@@ -3420,7 +3455,7 @@
           <a:p>
             <a:fld id="{857C8E90-7EDD-4CDC-BF79-D3D421C99482}" type="datetimeFigureOut">
               <a:rPr lang="en-US" smtClean="0"/>
-              <a:t>4/20/2021</a:t>
+              <a:t>5/3/2021</a:t>
             </a:fld>
             <a:endParaRPr lang="en-US"/>
           </a:p>
@@ -3830,7 +3865,7 @@
           <p:cNvPr id="4" name="Chart 3">
             <a:extLst>
               <a:ext uri="{FF2B5EF4-FFF2-40B4-BE49-F238E27FC236}">
-                <a16:creationId xmlns:a16="http://schemas.microsoft.com/office/drawing/2014/main" id="{D877B208-11AD-4B0C-BB4A-DCE5BC36DC1F}"/>
+                <a16:creationId xmlns:a16="http://schemas.microsoft.com/office/drawing/2014/main" id="{B72793C7-7516-41B0-B1E5-540FC41DFD5A}"/>
               </a:ext>
             </a:extLst>
           </p:cNvPr>
@@ -3840,13 +3875,13 @@
           <p:nvPr>
             <p:extLst>
               <p:ext uri="{D42A27DB-BD31-4B8C-83A1-F6EECF244321}">
-                <p14:modId xmlns:p14="http://schemas.microsoft.com/office/powerpoint/2010/main" val="3063549712"/>
+                <p14:modId xmlns:p14="http://schemas.microsoft.com/office/powerpoint/2010/main" val="4103193873"/>
               </p:ext>
             </p:extLst>
           </p:nvPr>
         </p:nvGraphicFramePr>
         <p:xfrm>
-          <a:off x="1" y="0"/>
+          <a:off x="0" y="0"/>
           <a:ext cx="9144000" cy="6400800"/>
         </p:xfrm>
         <a:graphic>
